--- a/Predicting commodities stocks.pptx
+++ b/Predicting commodities stocks.pptx
@@ -9,14 +9,14 @@
     <p:sldId id="257" r:id="rId3"/>
     <p:sldId id="259" r:id="rId4"/>
     <p:sldId id="258" r:id="rId5"/>
-    <p:sldId id="260" r:id="rId6"/>
-    <p:sldId id="261" r:id="rId7"/>
-    <p:sldId id="262" r:id="rId8"/>
-    <p:sldId id="263" r:id="rId9"/>
-    <p:sldId id="264" r:id="rId10"/>
-    <p:sldId id="265" r:id="rId11"/>
-    <p:sldId id="266" r:id="rId12"/>
-    <p:sldId id="267" r:id="rId13"/>
+    <p:sldId id="271" r:id="rId6"/>
+    <p:sldId id="260" r:id="rId7"/>
+    <p:sldId id="261" r:id="rId8"/>
+    <p:sldId id="262" r:id="rId9"/>
+    <p:sldId id="263" r:id="rId10"/>
+    <p:sldId id="264" r:id="rId11"/>
+    <p:sldId id="265" r:id="rId12"/>
+    <p:sldId id="266" r:id="rId13"/>
     <p:sldId id="268" r:id="rId14"/>
     <p:sldId id="269" r:id="rId15"/>
   </p:sldIdLst>
@@ -272,7 +272,7 @@
           <a:p>
             <a:fld id="{271EB8EA-AE36-4143-AEE5-2A96C70254EE}" type="datetimeFigureOut">
               <a:rPr lang="sv-SE" smtClean="0"/>
-              <a:t>2020-01-08</a:t>
+              <a:t>2020-01-09</a:t>
             </a:fld>
             <a:endParaRPr lang="sv-SE"/>
           </a:p>
@@ -470,7 +470,7 @@
           <a:p>
             <a:fld id="{271EB8EA-AE36-4143-AEE5-2A96C70254EE}" type="datetimeFigureOut">
               <a:rPr lang="sv-SE" smtClean="0"/>
-              <a:t>2020-01-08</a:t>
+              <a:t>2020-01-09</a:t>
             </a:fld>
             <a:endParaRPr lang="sv-SE"/>
           </a:p>
@@ -678,7 +678,7 @@
           <a:p>
             <a:fld id="{271EB8EA-AE36-4143-AEE5-2A96C70254EE}" type="datetimeFigureOut">
               <a:rPr lang="sv-SE" smtClean="0"/>
-              <a:t>2020-01-08</a:t>
+              <a:t>2020-01-09</a:t>
             </a:fld>
             <a:endParaRPr lang="sv-SE"/>
           </a:p>
@@ -876,7 +876,7 @@
           <a:p>
             <a:fld id="{271EB8EA-AE36-4143-AEE5-2A96C70254EE}" type="datetimeFigureOut">
               <a:rPr lang="sv-SE" smtClean="0"/>
-              <a:t>2020-01-08</a:t>
+              <a:t>2020-01-09</a:t>
             </a:fld>
             <a:endParaRPr lang="sv-SE"/>
           </a:p>
@@ -1151,7 +1151,7 @@
           <a:p>
             <a:fld id="{271EB8EA-AE36-4143-AEE5-2A96C70254EE}" type="datetimeFigureOut">
               <a:rPr lang="sv-SE" smtClean="0"/>
-              <a:t>2020-01-08</a:t>
+              <a:t>2020-01-09</a:t>
             </a:fld>
             <a:endParaRPr lang="sv-SE"/>
           </a:p>
@@ -1416,7 +1416,7 @@
           <a:p>
             <a:fld id="{271EB8EA-AE36-4143-AEE5-2A96C70254EE}" type="datetimeFigureOut">
               <a:rPr lang="sv-SE" smtClean="0"/>
-              <a:t>2020-01-08</a:t>
+              <a:t>2020-01-09</a:t>
             </a:fld>
             <a:endParaRPr lang="sv-SE"/>
           </a:p>
@@ -1828,7 +1828,7 @@
           <a:p>
             <a:fld id="{271EB8EA-AE36-4143-AEE5-2A96C70254EE}" type="datetimeFigureOut">
               <a:rPr lang="sv-SE" smtClean="0"/>
-              <a:t>2020-01-08</a:t>
+              <a:t>2020-01-09</a:t>
             </a:fld>
             <a:endParaRPr lang="sv-SE"/>
           </a:p>
@@ -1969,7 +1969,7 @@
           <a:p>
             <a:fld id="{271EB8EA-AE36-4143-AEE5-2A96C70254EE}" type="datetimeFigureOut">
               <a:rPr lang="sv-SE" smtClean="0"/>
-              <a:t>2020-01-08</a:t>
+              <a:t>2020-01-09</a:t>
             </a:fld>
             <a:endParaRPr lang="sv-SE"/>
           </a:p>
@@ -2082,7 +2082,7 @@
           <a:p>
             <a:fld id="{271EB8EA-AE36-4143-AEE5-2A96C70254EE}" type="datetimeFigureOut">
               <a:rPr lang="sv-SE" smtClean="0"/>
-              <a:t>2020-01-08</a:t>
+              <a:t>2020-01-09</a:t>
             </a:fld>
             <a:endParaRPr lang="sv-SE"/>
           </a:p>
@@ -2393,7 +2393,7 @@
           <a:p>
             <a:fld id="{271EB8EA-AE36-4143-AEE5-2A96C70254EE}" type="datetimeFigureOut">
               <a:rPr lang="sv-SE" smtClean="0"/>
-              <a:t>2020-01-08</a:t>
+              <a:t>2020-01-09</a:t>
             </a:fld>
             <a:endParaRPr lang="sv-SE"/>
           </a:p>
@@ -2681,7 +2681,7 @@
           <a:p>
             <a:fld id="{271EB8EA-AE36-4143-AEE5-2A96C70254EE}" type="datetimeFigureOut">
               <a:rPr lang="sv-SE" smtClean="0"/>
-              <a:t>2020-01-08</a:t>
+              <a:t>2020-01-09</a:t>
             </a:fld>
             <a:endParaRPr lang="sv-SE"/>
           </a:p>
@@ -2922,7 +2922,7 @@
           <a:p>
             <a:fld id="{271EB8EA-AE36-4143-AEE5-2A96C70254EE}" type="datetimeFigureOut">
               <a:rPr lang="sv-SE" smtClean="0"/>
-              <a:t>2020-01-08</a:t>
+              <a:t>2020-01-09</a:t>
             </a:fld>
             <a:endParaRPr lang="sv-SE"/>
           </a:p>
@@ -3543,6 +3543,163 @@
             <p:ph type="title"/>
           </p:nvPr>
         </p:nvSpPr>
+        <p:spPr/>
+        <p:txBody>
+          <a:bodyPr/>
+          <a:lstStyle/>
+          <a:p>
+            <a:r>
+              <a:rPr lang="sv-SE" dirty="0"/>
+              <a:t>Implementation – Learning</a:t>
+            </a:r>
+          </a:p>
+        </p:txBody>
+      </p:sp>
+      <p:sp>
+        <p:nvSpPr>
+          <p:cNvPr id="3" name="Platshållare för innehåll 2">
+            <a:extLst>
+              <a:ext uri="{FF2B5EF4-FFF2-40B4-BE49-F238E27FC236}">
+                <a16:creationId xmlns:a16="http://schemas.microsoft.com/office/drawing/2014/main" id="{403FCF06-CDE5-4854-92F6-B2BD37002397}"/>
+              </a:ext>
+            </a:extLst>
+          </p:cNvPr>
+          <p:cNvSpPr>
+            <a:spLocks noGrp="1"/>
+          </p:cNvSpPr>
+          <p:nvPr>
+            <p:ph idx="1"/>
+          </p:nvPr>
+        </p:nvSpPr>
+        <p:spPr>
+          <a:xfrm>
+            <a:off x="838200" y="3684371"/>
+            <a:ext cx="10515600" cy="2492592"/>
+          </a:xfrm>
+        </p:spPr>
+        <p:txBody>
+          <a:bodyPr/>
+          <a:lstStyle/>
+          <a:p>
+            <a:r>
+              <a:rPr lang="en-US" dirty="0"/>
+              <a:t>With features and labels, we can try many different classifiers from </a:t>
+            </a:r>
+            <a:r>
+              <a:rPr lang="en-US" dirty="0" err="1"/>
+              <a:t>sklearn</a:t>
+            </a:r>
+            <a:endParaRPr lang="en-US" dirty="0"/>
+          </a:p>
+          <a:p>
+            <a:r>
+              <a:rPr lang="en-US" dirty="0" err="1"/>
+              <a:t>DecisionTreeClassifier</a:t>
+            </a:r>
+            <a:r>
+              <a:rPr lang="en-US" dirty="0"/>
+              <a:t>, </a:t>
+            </a:r>
+            <a:r>
+              <a:rPr lang="en-US" dirty="0" err="1"/>
+              <a:t>MLPClassifier</a:t>
+            </a:r>
+            <a:r>
+              <a:rPr lang="en-US" dirty="0"/>
+              <a:t>, </a:t>
+            </a:r>
+            <a:r>
+              <a:rPr lang="en-US" dirty="0" err="1"/>
+              <a:t>RandomForestClassifier</a:t>
+            </a:r>
+            <a:r>
+              <a:rPr lang="en-US" dirty="0"/>
+              <a:t>, </a:t>
+            </a:r>
+            <a:r>
+              <a:rPr lang="en-US" dirty="0" err="1"/>
+              <a:t>KNeighborsClassifier</a:t>
+            </a:r>
+            <a:endParaRPr lang="en-US" dirty="0"/>
+          </a:p>
+        </p:txBody>
+      </p:sp>
+      <p:pic>
+        <p:nvPicPr>
+          <p:cNvPr id="4" name="Bildobjekt 3">
+            <a:extLst>
+              <a:ext uri="{FF2B5EF4-FFF2-40B4-BE49-F238E27FC236}">
+                <a16:creationId xmlns:a16="http://schemas.microsoft.com/office/drawing/2014/main" id="{C54CF3C1-2432-4321-99A3-E189E7B84247}"/>
+              </a:ext>
+            </a:extLst>
+          </p:cNvPr>
+          <p:cNvPicPr>
+            <a:picLocks noChangeAspect="1"/>
+          </p:cNvPicPr>
+          <p:nvPr/>
+        </p:nvPicPr>
+        <p:blipFill>
+          <a:blip r:embed="rId2"/>
+          <a:stretch>
+            <a:fillRect/>
+          </a:stretch>
+        </p:blipFill>
+        <p:spPr>
+          <a:xfrm>
+            <a:off x="1941588" y="1690687"/>
+            <a:ext cx="8086995" cy="1547605"/>
+          </a:xfrm>
+          <a:prstGeom prst="rect">
+            <a:avLst/>
+          </a:prstGeom>
+        </p:spPr>
+      </p:pic>
+    </p:spTree>
+    <p:extLst>
+      <p:ext uri="{BB962C8B-B14F-4D97-AF65-F5344CB8AC3E}">
+        <p14:creationId xmlns:p14="http://schemas.microsoft.com/office/powerpoint/2010/main" val="2315995228"/>
+      </p:ext>
+    </p:extLst>
+  </p:cSld>
+  <p:clrMapOvr>
+    <a:masterClrMapping/>
+  </p:clrMapOvr>
+</p:sld>
+</file>
+
+<file path=ppt/slides/slide11.xml><?xml version="1.0" encoding="utf-8"?>
+<p:sld xmlns:a="http://schemas.openxmlformats.org/drawingml/2006/main" xmlns:r="http://schemas.openxmlformats.org/officeDocument/2006/relationships" xmlns:p="http://schemas.openxmlformats.org/presentationml/2006/main">
+  <p:cSld>
+    <p:spTree>
+      <p:nvGrpSpPr>
+        <p:cNvPr id="1" name=""/>
+        <p:cNvGrpSpPr/>
+        <p:nvPr/>
+      </p:nvGrpSpPr>
+      <p:grpSpPr>
+        <a:xfrm>
+          <a:off x="0" y="0"/>
+          <a:ext cx="0" cy="0"/>
+          <a:chOff x="0" y="0"/>
+          <a:chExt cx="0" cy="0"/>
+        </a:xfrm>
+      </p:grpSpPr>
+      <p:sp>
+        <p:nvSpPr>
+          <p:cNvPr id="2" name="Rubrik 1">
+            <a:extLst>
+              <a:ext uri="{FF2B5EF4-FFF2-40B4-BE49-F238E27FC236}">
+                <a16:creationId xmlns:a16="http://schemas.microsoft.com/office/drawing/2014/main" id="{09C97F99-A249-4DAC-8499-A796A61E3112}"/>
+              </a:ext>
+            </a:extLst>
+          </p:cNvPr>
+          <p:cNvSpPr>
+            <a:spLocks noGrp="1"/>
+          </p:cNvSpPr>
+          <p:nvPr>
+            <p:ph type="title"/>
+          </p:nvPr>
+        </p:nvSpPr>
         <p:spPr>
           <a:xfrm>
             <a:off x="838200" y="216038"/>
@@ -3640,7 +3797,7 @@
 </p:sld>
 </file>
 
-<file path=ppt/slides/slide11.xml><?xml version="1.0" encoding="utf-8"?>
+<file path=ppt/slides/slide12.xml><?xml version="1.0" encoding="utf-8"?>
 <p:sld xmlns:a="http://schemas.openxmlformats.org/drawingml/2006/main" xmlns:r="http://schemas.openxmlformats.org/officeDocument/2006/relationships" xmlns:p="http://schemas.openxmlformats.org/presentationml/2006/main">
   <p:cSld>
     <p:spTree>
@@ -3741,116 +3898,6 @@
     <p:extLst>
       <p:ext uri="{BB962C8B-B14F-4D97-AF65-F5344CB8AC3E}">
         <p14:creationId xmlns:p14="http://schemas.microsoft.com/office/powerpoint/2010/main" val="2602081259"/>
-      </p:ext>
-    </p:extLst>
-  </p:cSld>
-  <p:clrMapOvr>
-    <a:masterClrMapping/>
-  </p:clrMapOvr>
-</p:sld>
-</file>
-
-<file path=ppt/slides/slide12.xml><?xml version="1.0" encoding="utf-8"?>
-<p:sld xmlns:a="http://schemas.openxmlformats.org/drawingml/2006/main" xmlns:r="http://schemas.openxmlformats.org/officeDocument/2006/relationships" xmlns:p="http://schemas.openxmlformats.org/presentationml/2006/main">
-  <p:cSld>
-    <p:spTree>
-      <p:nvGrpSpPr>
-        <p:cNvPr id="1" name=""/>
-        <p:cNvGrpSpPr/>
-        <p:nvPr/>
-      </p:nvGrpSpPr>
-      <p:grpSpPr>
-        <a:xfrm>
-          <a:off x="0" y="0"/>
-          <a:ext cx="0" cy="0"/>
-          <a:chOff x="0" y="0"/>
-          <a:chExt cx="0" cy="0"/>
-        </a:xfrm>
-      </p:grpSpPr>
-      <p:sp>
-        <p:nvSpPr>
-          <p:cNvPr id="2" name="Rubrik 1">
-            <a:extLst>
-              <a:ext uri="{FF2B5EF4-FFF2-40B4-BE49-F238E27FC236}">
-                <a16:creationId xmlns:a16="http://schemas.microsoft.com/office/drawing/2014/main" id="{09C97F99-A249-4DAC-8499-A796A61E3112}"/>
-              </a:ext>
-            </a:extLst>
-          </p:cNvPr>
-          <p:cNvSpPr>
-            <a:spLocks noGrp="1"/>
-          </p:cNvSpPr>
-          <p:nvPr>
-            <p:ph type="title"/>
-          </p:nvPr>
-        </p:nvSpPr>
-        <p:spPr>
-          <a:xfrm>
-            <a:off x="838200" y="216038"/>
-            <a:ext cx="10515600" cy="1325563"/>
-          </a:xfrm>
-        </p:spPr>
-        <p:txBody>
-          <a:bodyPr/>
-          <a:lstStyle/>
-          <a:p>
-            <a:r>
-              <a:rPr lang="sv-SE" dirty="0" err="1"/>
-              <a:t>Testing</a:t>
-            </a:r>
-            <a:r>
-              <a:rPr lang="sv-SE" dirty="0"/>
-              <a:t> – </a:t>
-            </a:r>
-            <a:r>
-              <a:rPr lang="sv-SE" dirty="0" err="1"/>
-              <a:t>other</a:t>
-            </a:r>
-            <a:r>
-              <a:rPr lang="sv-SE" dirty="0"/>
-              <a:t> </a:t>
-            </a:r>
-            <a:r>
-              <a:rPr lang="sv-SE" dirty="0" err="1"/>
-              <a:t>classifiers</a:t>
-            </a:r>
-            <a:endParaRPr lang="sv-SE" dirty="0"/>
-          </a:p>
-        </p:txBody>
-      </p:sp>
-      <p:pic>
-        <p:nvPicPr>
-          <p:cNvPr id="7" name="Bildobjekt 6">
-            <a:extLst>
-              <a:ext uri="{FF2B5EF4-FFF2-40B4-BE49-F238E27FC236}">
-                <a16:creationId xmlns:a16="http://schemas.microsoft.com/office/drawing/2014/main" id="{D212CED2-0D01-4FA1-B450-021D198347BE}"/>
-              </a:ext>
-            </a:extLst>
-          </p:cNvPr>
-          <p:cNvPicPr>
-            <a:picLocks noChangeAspect="1"/>
-          </p:cNvPicPr>
-          <p:nvPr/>
-        </p:nvPicPr>
-        <p:blipFill>
-          <a:blip r:embed="rId2"/>
-          <a:stretch>
-            <a:fillRect/>
-          </a:stretch>
-        </p:blipFill>
-        <p:spPr>
-          <a:xfrm>
-            <a:off x="2924502" y="1252329"/>
-            <a:ext cx="6342996" cy="5234195"/>
-          </a:xfrm>
-          <a:prstGeom prst="rect">
-            <a:avLst/>
-          </a:prstGeom>
-        </p:spPr>
-      </p:pic>
-    </p:spTree>
-    <p:extLst>
-      <p:ext uri="{BB962C8B-B14F-4D97-AF65-F5344CB8AC3E}">
-        <p14:creationId xmlns:p14="http://schemas.microsoft.com/office/powerpoint/2010/main" val="2853600762"/>
       </p:ext>
     </p:extLst>
   </p:cSld>
@@ -4981,61 +5028,6 @@
               <a:t>?</a:t>
             </a:r>
           </a:p>
-          <a:p>
-            <a:r>
-              <a:rPr lang="sv-SE" dirty="0" err="1"/>
-              <a:t>Supervised</a:t>
-            </a:r>
-            <a:r>
-              <a:rPr lang="sv-SE" dirty="0"/>
-              <a:t> </a:t>
-            </a:r>
-            <a:r>
-              <a:rPr lang="sv-SE" dirty="0" err="1"/>
-              <a:t>training</a:t>
-            </a:r>
-            <a:r>
-              <a:rPr lang="sv-SE" dirty="0"/>
-              <a:t>?</a:t>
-            </a:r>
-          </a:p>
-          <a:p>
-            <a:r>
-              <a:rPr lang="sv-SE" dirty="0" err="1"/>
-              <a:t>How</a:t>
-            </a:r>
-            <a:r>
-              <a:rPr lang="sv-SE" dirty="0"/>
-              <a:t> do </a:t>
-            </a:r>
-            <a:r>
-              <a:rPr lang="sv-SE" dirty="0" err="1"/>
-              <a:t>we</a:t>
-            </a:r>
-            <a:r>
-              <a:rPr lang="sv-SE" dirty="0"/>
-              <a:t> </a:t>
-            </a:r>
-            <a:r>
-              <a:rPr lang="sv-SE" dirty="0" err="1"/>
-              <a:t>represent</a:t>
-            </a:r>
-            <a:r>
-              <a:rPr lang="sv-SE" dirty="0"/>
-              <a:t> </a:t>
-            </a:r>
-            <a:r>
-              <a:rPr lang="sv-SE" dirty="0" err="1"/>
-              <a:t>labels</a:t>
-            </a:r>
-            <a:r>
-              <a:rPr lang="sv-SE" dirty="0"/>
-              <a:t> and features?</a:t>
-            </a:r>
-          </a:p>
-          <a:p>
-            <a:endParaRPr lang="sv-SE" dirty="0"/>
-          </a:p>
         </p:txBody>
       </p:sp>
     </p:spTree>
@@ -5052,6 +5044,162 @@
 </file>
 
 <file path=ppt/slides/slide5.xml><?xml version="1.0" encoding="utf-8"?>
+<p:sld xmlns:a="http://schemas.openxmlformats.org/drawingml/2006/main" xmlns:r="http://schemas.openxmlformats.org/officeDocument/2006/relationships" xmlns:p="http://schemas.openxmlformats.org/presentationml/2006/main">
+  <p:cSld>
+    <p:spTree>
+      <p:nvGrpSpPr>
+        <p:cNvPr id="1" name=""/>
+        <p:cNvGrpSpPr/>
+        <p:nvPr/>
+      </p:nvGrpSpPr>
+      <p:grpSpPr>
+        <a:xfrm>
+          <a:off x="0" y="0"/>
+          <a:ext cx="0" cy="0"/>
+          <a:chOff x="0" y="0"/>
+          <a:chExt cx="0" cy="0"/>
+        </a:xfrm>
+      </p:grpSpPr>
+      <p:sp>
+        <p:nvSpPr>
+          <p:cNvPr id="2" name="Rubrik 1">
+            <a:extLst>
+              <a:ext uri="{FF2B5EF4-FFF2-40B4-BE49-F238E27FC236}">
+                <a16:creationId xmlns:a16="http://schemas.microsoft.com/office/drawing/2014/main" id="{E6A9420F-4FCB-4F1F-879A-965E6F0282CF}"/>
+              </a:ext>
+            </a:extLst>
+          </p:cNvPr>
+          <p:cNvSpPr>
+            <a:spLocks noGrp="1"/>
+          </p:cNvSpPr>
+          <p:nvPr>
+            <p:ph type="title"/>
+          </p:nvPr>
+        </p:nvSpPr>
+        <p:spPr/>
+        <p:txBody>
+          <a:bodyPr/>
+          <a:lstStyle/>
+          <a:p>
+            <a:r>
+              <a:rPr lang="sv-SE" dirty="0"/>
+              <a:t>Initial </a:t>
+            </a:r>
+            <a:r>
+              <a:rPr lang="sv-SE" dirty="0" err="1"/>
+              <a:t>study</a:t>
+            </a:r>
+            <a:r>
+              <a:rPr lang="sv-SE" dirty="0"/>
+              <a:t> – </a:t>
+            </a:r>
+            <a:r>
+              <a:rPr lang="sv-SE" dirty="0" err="1"/>
+              <a:t>classifier</a:t>
+            </a:r>
+            <a:r>
+              <a:rPr lang="sv-SE" dirty="0"/>
+              <a:t> </a:t>
+            </a:r>
+            <a:r>
+              <a:rPr lang="sv-SE" dirty="0" err="1"/>
+              <a:t>models</a:t>
+            </a:r>
+            <a:endParaRPr lang="sv-SE" dirty="0"/>
+          </a:p>
+        </p:txBody>
+      </p:sp>
+      <p:sp>
+        <p:nvSpPr>
+          <p:cNvPr id="3" name="Platshållare för innehåll 2">
+            <a:extLst>
+              <a:ext uri="{FF2B5EF4-FFF2-40B4-BE49-F238E27FC236}">
+                <a16:creationId xmlns:a16="http://schemas.microsoft.com/office/drawing/2014/main" id="{4D479BEB-B97C-4EF2-869D-C7E347F77B95}"/>
+              </a:ext>
+            </a:extLst>
+          </p:cNvPr>
+          <p:cNvSpPr>
+            <a:spLocks noGrp="1"/>
+          </p:cNvSpPr>
+          <p:nvPr>
+            <p:ph idx="1"/>
+          </p:nvPr>
+        </p:nvSpPr>
+        <p:spPr/>
+        <p:txBody>
+          <a:bodyPr/>
+          <a:lstStyle/>
+          <a:p>
+            <a:r>
+              <a:rPr lang="sv-SE" i="1" dirty="0" err="1"/>
+              <a:t>DecisionTreeClassifier</a:t>
+            </a:r>
+            <a:endParaRPr lang="sv-SE" i="1" dirty="0"/>
+          </a:p>
+          <a:p>
+            <a:r>
+              <a:rPr lang="sv-SE" dirty="0" err="1"/>
+              <a:t>MLPClassifier</a:t>
+            </a:r>
+            <a:r>
+              <a:rPr lang="sv-SE" dirty="0"/>
+              <a:t> (Multi-</a:t>
+            </a:r>
+            <a:r>
+              <a:rPr lang="sv-SE" dirty="0" err="1"/>
+              <a:t>layer</a:t>
+            </a:r>
+            <a:r>
+              <a:rPr lang="sv-SE" dirty="0"/>
+              <a:t> </a:t>
+            </a:r>
+            <a:r>
+              <a:rPr lang="sv-SE" dirty="0" err="1"/>
+              <a:t>Perceptron</a:t>
+            </a:r>
+            <a:r>
+              <a:rPr lang="sv-SE" dirty="0"/>
+              <a:t> </a:t>
+            </a:r>
+            <a:r>
+              <a:rPr lang="sv-SE" dirty="0" err="1"/>
+              <a:t>classifier</a:t>
+            </a:r>
+            <a:r>
+              <a:rPr lang="sv-SE" dirty="0"/>
+              <a:t>)</a:t>
+            </a:r>
+          </a:p>
+          <a:p>
+            <a:r>
+              <a:rPr lang="sv-SE" dirty="0" err="1"/>
+              <a:t>RandomForestClassifier</a:t>
+            </a:r>
+            <a:endParaRPr lang="sv-SE" dirty="0"/>
+          </a:p>
+          <a:p>
+            <a:r>
+              <a:rPr lang="sv-SE" dirty="0" err="1"/>
+              <a:t>KNeighborsClassifier</a:t>
+            </a:r>
+            <a:endParaRPr lang="sv-SE" dirty="0"/>
+          </a:p>
+        </p:txBody>
+      </p:sp>
+    </p:spTree>
+    <p:extLst>
+      <p:ext uri="{BB962C8B-B14F-4D97-AF65-F5344CB8AC3E}">
+        <p14:creationId xmlns:p14="http://schemas.microsoft.com/office/powerpoint/2010/main" val="908601079"/>
+      </p:ext>
+    </p:extLst>
+  </p:cSld>
+  <p:clrMapOvr>
+    <a:masterClrMapping/>
+  </p:clrMapOvr>
+</p:sld>
+</file>
+
+<file path=ppt/slides/slide6.xml><?xml version="1.0" encoding="utf-8"?>
 <p:sld xmlns:a="http://schemas.openxmlformats.org/drawingml/2006/main" xmlns:r="http://schemas.openxmlformats.org/officeDocument/2006/relationships" xmlns:p="http://schemas.openxmlformats.org/presentationml/2006/main">
   <p:cSld>
     <p:spTree>
@@ -6093,7 +6241,7 @@
 </p:sld>
 </file>
 
-<file path=ppt/slides/slide6.xml><?xml version="1.0" encoding="utf-8"?>
+<file path=ppt/slides/slide7.xml><?xml version="1.0" encoding="utf-8"?>
 <p:sld xmlns:a="http://schemas.openxmlformats.org/drawingml/2006/main" xmlns:r="http://schemas.openxmlformats.org/officeDocument/2006/relationships" xmlns:p="http://schemas.openxmlformats.org/presentationml/2006/main">
   <p:cSld>
     <p:spTree>
@@ -6249,7 +6397,7 @@
 </p:sld>
 </file>
 
-<file path=ppt/slides/slide7.xml><?xml version="1.0" encoding="utf-8"?>
+<file path=ppt/slides/slide8.xml><?xml version="1.0" encoding="utf-8"?>
 <p:sld xmlns:a="http://schemas.openxmlformats.org/drawingml/2006/main" xmlns:r="http://schemas.openxmlformats.org/officeDocument/2006/relationships" xmlns:p="http://schemas.openxmlformats.org/presentationml/2006/main">
   <p:cSld>
     <p:spTree>
@@ -6461,165 +6609,6 @@
 </p:sld>
 </file>
 
-<file path=ppt/slides/slide8.xml><?xml version="1.0" encoding="utf-8"?>
-<p:sld xmlns:a="http://schemas.openxmlformats.org/drawingml/2006/main" xmlns:r="http://schemas.openxmlformats.org/officeDocument/2006/relationships" xmlns:p="http://schemas.openxmlformats.org/presentationml/2006/main">
-  <p:cSld>
-    <p:spTree>
-      <p:nvGrpSpPr>
-        <p:cNvPr id="1" name=""/>
-        <p:cNvGrpSpPr/>
-        <p:nvPr/>
-      </p:nvGrpSpPr>
-      <p:grpSpPr>
-        <a:xfrm>
-          <a:off x="0" y="0"/>
-          <a:ext cx="0" cy="0"/>
-          <a:chOff x="0" y="0"/>
-          <a:chExt cx="0" cy="0"/>
-        </a:xfrm>
-      </p:grpSpPr>
-      <p:sp>
-        <p:nvSpPr>
-          <p:cNvPr id="2" name="Rubrik 1">
-            <a:extLst>
-              <a:ext uri="{FF2B5EF4-FFF2-40B4-BE49-F238E27FC236}">
-                <a16:creationId xmlns:a16="http://schemas.microsoft.com/office/drawing/2014/main" id="{09C97F99-A249-4DAC-8499-A796A61E3112}"/>
-              </a:ext>
-            </a:extLst>
-          </p:cNvPr>
-          <p:cNvSpPr>
-            <a:spLocks noGrp="1"/>
-          </p:cNvSpPr>
-          <p:nvPr>
-            <p:ph type="title"/>
-          </p:nvPr>
-        </p:nvSpPr>
-        <p:spPr/>
-        <p:txBody>
-          <a:bodyPr/>
-          <a:lstStyle/>
-          <a:p>
-            <a:r>
-              <a:rPr lang="sv-SE" dirty="0"/>
-              <a:t>Implementation – </a:t>
-            </a:r>
-            <a:r>
-              <a:rPr lang="sv-SE" dirty="0" err="1"/>
-              <a:t>Processing</a:t>
-            </a:r>
-            <a:r>
-              <a:rPr lang="sv-SE" dirty="0"/>
-              <a:t> </a:t>
-            </a:r>
-            <a:r>
-              <a:rPr lang="sv-SE" dirty="0" err="1"/>
-              <a:t>training</a:t>
-            </a:r>
-            <a:r>
-              <a:rPr lang="sv-SE" dirty="0"/>
-              <a:t> data</a:t>
-            </a:r>
-          </a:p>
-        </p:txBody>
-      </p:sp>
-      <p:sp>
-        <p:nvSpPr>
-          <p:cNvPr id="3" name="Platshållare för innehåll 2">
-            <a:extLst>
-              <a:ext uri="{FF2B5EF4-FFF2-40B4-BE49-F238E27FC236}">
-                <a16:creationId xmlns:a16="http://schemas.microsoft.com/office/drawing/2014/main" id="{403FCF06-CDE5-4854-92F6-B2BD37002397}"/>
-              </a:ext>
-            </a:extLst>
-          </p:cNvPr>
-          <p:cNvSpPr>
-            <a:spLocks noGrp="1"/>
-          </p:cNvSpPr>
-          <p:nvPr>
-            <p:ph idx="1"/>
-          </p:nvPr>
-        </p:nvSpPr>
-        <p:spPr/>
-        <p:txBody>
-          <a:bodyPr/>
-          <a:lstStyle/>
-          <a:p>
-            <a:r>
-              <a:rPr lang="en-US" i="1" dirty="0" err="1"/>
-              <a:t>get_features</a:t>
-            </a:r>
-            <a:r>
-              <a:rPr lang="en-US" i="1" dirty="0"/>
-              <a:t>()</a:t>
-            </a:r>
-          </a:p>
-          <a:p>
-            <a:pPr marL="0" indent="0">
-              <a:buNone/>
-            </a:pPr>
-            <a:r>
-              <a:rPr lang="en-US" i="1" dirty="0"/>
-              <a:t>	-</a:t>
-            </a:r>
-            <a:r>
-              <a:rPr lang="en-US" dirty="0"/>
-              <a:t> Sliding window technique</a:t>
-            </a:r>
-          </a:p>
-          <a:p>
-            <a:pPr marL="0" indent="0">
-              <a:buNone/>
-            </a:pPr>
-            <a:r>
-              <a:rPr lang="en-US" dirty="0"/>
-              <a:t> 	- Each “window” is a training data example that becomes labeled</a:t>
-            </a:r>
-          </a:p>
-          <a:p>
-            <a:pPr marL="0" indent="0">
-              <a:buNone/>
-            </a:pPr>
-            <a:r>
-              <a:rPr lang="en-US" dirty="0"/>
-              <a:t> 	- output: features &amp; labels</a:t>
-            </a:r>
-          </a:p>
-          <a:p>
-            <a:r>
-              <a:rPr lang="en-US" dirty="0"/>
-              <a:t>Labeling was done simple (if </a:t>
-            </a:r>
-            <a:r>
-              <a:rPr lang="en-US" dirty="0" err="1"/>
-              <a:t>low_tomorrow</a:t>
-            </a:r>
-            <a:r>
-              <a:rPr lang="en-US" dirty="0"/>
-              <a:t> &gt; </a:t>
-            </a:r>
-            <a:r>
-              <a:rPr lang="en-US" dirty="0" err="1"/>
-              <a:t>high_today</a:t>
-            </a:r>
-            <a:r>
-              <a:rPr lang="en-US" dirty="0"/>
-              <a:t> then buy, if larger by .8% it’s strong buy)</a:t>
-            </a:r>
-          </a:p>
-        </p:txBody>
-      </p:sp>
-    </p:spTree>
-    <p:extLst>
-      <p:ext uri="{BB962C8B-B14F-4D97-AF65-F5344CB8AC3E}">
-        <p14:creationId xmlns:p14="http://schemas.microsoft.com/office/powerpoint/2010/main" val="3851492241"/>
-      </p:ext>
-    </p:extLst>
-  </p:cSld>
-  <p:clrMapOvr>
-    <a:masterClrMapping/>
-  </p:clrMapOvr>
-</p:sld>
-</file>
-
 <file path=ppt/slides/slide9.xml><?xml version="1.0" encoding="utf-8"?>
 <p:sld xmlns:a="http://schemas.openxmlformats.org/drawingml/2006/main" xmlns:r="http://schemas.openxmlformats.org/officeDocument/2006/relationships" xmlns:p="http://schemas.openxmlformats.org/presentationml/2006/main">
   <p:cSld>
@@ -6660,7 +6649,23 @@
           <a:p>
             <a:r>
               <a:rPr lang="sv-SE" dirty="0"/>
-              <a:t>Implementation – Learning</a:t>
+              <a:t>Implementation – </a:t>
+            </a:r>
+            <a:r>
+              <a:rPr lang="sv-SE" dirty="0" err="1"/>
+              <a:t>Processing</a:t>
+            </a:r>
+            <a:r>
+              <a:rPr lang="sv-SE" dirty="0"/>
+              <a:t> </a:t>
+            </a:r>
+            <a:r>
+              <a:rPr lang="sv-SE" dirty="0" err="1"/>
+              <a:t>training</a:t>
+            </a:r>
+            <a:r>
+              <a:rPr lang="sv-SE" dirty="0"/>
+              <a:t> data</a:t>
             </a:r>
           </a:p>
         </p:txBody>
@@ -6681,93 +6686,79 @@
             <p:ph idx="1"/>
           </p:nvPr>
         </p:nvSpPr>
-        <p:spPr>
-          <a:xfrm>
-            <a:off x="838200" y="3684371"/>
-            <a:ext cx="10515600" cy="2492592"/>
-          </a:xfrm>
-        </p:spPr>
-        <p:txBody>
-          <a:bodyPr/>
-          <a:lstStyle/>
-          <a:p>
+        <p:spPr/>
+        <p:txBody>
+          <a:bodyPr/>
+          <a:lstStyle/>
+          <a:p>
+            <a:r>
+              <a:rPr lang="en-US" i="1" dirty="0" err="1"/>
+              <a:t>get_features</a:t>
+            </a:r>
+            <a:r>
+              <a:rPr lang="en-US" i="1" dirty="0"/>
+              <a:t>()</a:t>
+            </a:r>
+          </a:p>
+          <a:p>
+            <a:pPr marL="0" indent="0">
+              <a:buNone/>
+            </a:pPr>
+            <a:r>
+              <a:rPr lang="en-US" i="1" dirty="0"/>
+              <a:t>	-</a:t>
+            </a:r>
             <a:r>
               <a:rPr lang="en-US" dirty="0"/>
-              <a:t>With features and labels, we can try many different classifiers from </a:t>
+              <a:t> Sliding window technique</a:t>
+            </a:r>
+          </a:p>
+          <a:p>
+            <a:pPr marL="0" indent="0">
+              <a:buNone/>
+            </a:pPr>
+            <a:r>
+              <a:rPr lang="en-US" dirty="0"/>
+              <a:t> 	- Each “window” is a training data example that becomes labeled</a:t>
+            </a:r>
+          </a:p>
+          <a:p>
+            <a:pPr marL="0" indent="0">
+              <a:buNone/>
+            </a:pPr>
+            <a:r>
+              <a:rPr lang="en-US" dirty="0"/>
+              <a:t> 	- output: features &amp; labels</a:t>
+            </a:r>
+          </a:p>
+          <a:p>
+            <a:r>
+              <a:rPr lang="en-US" dirty="0"/>
+              <a:t>Labeling was done simple (if </a:t>
             </a:r>
             <a:r>
               <a:rPr lang="en-US" dirty="0" err="1"/>
-              <a:t>sklearn</a:t>
-            </a:r>
-            <a:endParaRPr lang="en-US" dirty="0"/>
-          </a:p>
-          <a:p>
+              <a:t>low_tomorrow</a:t>
+            </a:r>
+            <a:r>
+              <a:rPr lang="en-US" dirty="0"/>
+              <a:t> &gt; </a:t>
+            </a:r>
             <a:r>
               <a:rPr lang="en-US" dirty="0" err="1"/>
-              <a:t>DecisionTreeClassifier</a:t>
+              <a:t>high_today</a:t>
             </a:r>
             <a:r>
               <a:rPr lang="en-US" dirty="0"/>
-              <a:t>, </a:t>
-            </a:r>
-            <a:r>
-              <a:rPr lang="en-US" dirty="0" err="1"/>
-              <a:t>MLPClassifier</a:t>
-            </a:r>
-            <a:r>
-              <a:rPr lang="en-US" dirty="0"/>
-              <a:t>, </a:t>
-            </a:r>
-            <a:r>
-              <a:rPr lang="en-US" dirty="0" err="1"/>
-              <a:t>RandomForestClassifier</a:t>
-            </a:r>
-            <a:r>
-              <a:rPr lang="en-US" dirty="0"/>
-              <a:t>, </a:t>
-            </a:r>
-            <a:r>
-              <a:rPr lang="en-US" dirty="0" err="1"/>
-              <a:t>KNeighborsClassifier</a:t>
-            </a:r>
-            <a:endParaRPr lang="en-US" dirty="0"/>
-          </a:p>
-        </p:txBody>
-      </p:sp>
-      <p:pic>
-        <p:nvPicPr>
-          <p:cNvPr id="4" name="Bildobjekt 3">
-            <a:extLst>
-              <a:ext uri="{FF2B5EF4-FFF2-40B4-BE49-F238E27FC236}">
-                <a16:creationId xmlns:a16="http://schemas.microsoft.com/office/drawing/2014/main" id="{C54CF3C1-2432-4321-99A3-E189E7B84247}"/>
-              </a:ext>
-            </a:extLst>
-          </p:cNvPr>
-          <p:cNvPicPr>
-            <a:picLocks noChangeAspect="1"/>
-          </p:cNvPicPr>
-          <p:nvPr/>
-        </p:nvPicPr>
-        <p:blipFill>
-          <a:blip r:embed="rId2"/>
-          <a:stretch>
-            <a:fillRect/>
-          </a:stretch>
-        </p:blipFill>
-        <p:spPr>
-          <a:xfrm>
-            <a:off x="1941588" y="1690687"/>
-            <a:ext cx="8086995" cy="1547605"/>
-          </a:xfrm>
-          <a:prstGeom prst="rect">
-            <a:avLst/>
-          </a:prstGeom>
-        </p:spPr>
-      </p:pic>
+              <a:t> then buy, if larger by .8% it’s strong buy)</a:t>
+            </a:r>
+          </a:p>
+        </p:txBody>
+      </p:sp>
     </p:spTree>
     <p:extLst>
       <p:ext uri="{BB962C8B-B14F-4D97-AF65-F5344CB8AC3E}">
-        <p14:creationId xmlns:p14="http://schemas.microsoft.com/office/powerpoint/2010/main" val="2315995228"/>
+        <p14:creationId xmlns:p14="http://schemas.microsoft.com/office/powerpoint/2010/main" val="3851492241"/>
       </p:ext>
     </p:extLst>
   </p:cSld>

--- a/Predicting commodities stocks.pptx
+++ b/Predicting commodities stocks.pptx
@@ -17,8 +17,10 @@
     <p:sldId id="264" r:id="rId11"/>
     <p:sldId id="265" r:id="rId12"/>
     <p:sldId id="266" r:id="rId13"/>
-    <p:sldId id="268" r:id="rId14"/>
-    <p:sldId id="269" r:id="rId15"/>
+    <p:sldId id="269" r:id="rId14"/>
+    <p:sldId id="272" r:id="rId15"/>
+    <p:sldId id="275" r:id="rId16"/>
+    <p:sldId id="273" r:id="rId17"/>
   </p:sldIdLst>
   <p:sldSz cx="12192000" cy="6858000"/>
   <p:notesSz cx="6858000" cy="9144000"/>
@@ -3355,30 +3357,30 @@
             <p:ph type="ctrTitle"/>
           </p:nvPr>
         </p:nvSpPr>
-        <p:spPr/>
-        <p:txBody>
-          <a:bodyPr/>
-          <a:lstStyle/>
-          <a:p>
-            <a:r>
-              <a:rPr lang="sv-SE" dirty="0" err="1"/>
-              <a:t>Prediction</a:t>
+        <p:spPr>
+          <a:xfrm>
+            <a:off x="1437372" y="256090"/>
+            <a:ext cx="9144000" cy="2387600"/>
+          </a:xfrm>
+        </p:spPr>
+        <p:txBody>
+          <a:bodyPr/>
+          <a:lstStyle/>
+          <a:p>
+            <a:r>
+              <a:rPr lang="sv-SE" dirty="0" err="1"/>
+              <a:t>MarketGenie</a:t>
             </a:r>
             <a:r>
               <a:rPr lang="sv-SE" dirty="0"/>
               <a:t> </a:t>
             </a:r>
-            <a:r>
-              <a:rPr lang="sv-SE" dirty="0" err="1"/>
-              <a:t>of</a:t>
-            </a:r>
-            <a:r>
-              <a:rPr lang="sv-SE" dirty="0"/>
-              <a:t> </a:t>
-            </a:r>
-            <a:r>
-              <a:rPr lang="sv-SE" dirty="0" err="1"/>
-              <a:t>commodities</a:t>
+            <a:br>
+              <a:rPr lang="sv-SE" dirty="0"/>
+            </a:br>
+            <a:r>
+              <a:rPr lang="sv-SE" dirty="0" err="1"/>
+              <a:t>Predicting</a:t>
             </a:r>
             <a:r>
               <a:rPr lang="sv-SE" dirty="0"/>
@@ -3497,6 +3499,53 @@
           </a:p>
         </p:txBody>
       </p:sp>
+      <p:pic>
+        <p:nvPicPr>
+          <p:cNvPr id="1028" name="Picture 4" descr="Bildresultat för genie&quot;">
+            <a:extLst>
+              <a:ext uri="{FF2B5EF4-FFF2-40B4-BE49-F238E27FC236}">
+                <a16:creationId xmlns:a16="http://schemas.microsoft.com/office/drawing/2014/main" id="{EB0F90ED-BBC9-4DAE-BE57-9B701238FDE0}"/>
+              </a:ext>
+            </a:extLst>
+          </p:cNvPr>
+          <p:cNvPicPr>
+            <a:picLocks noChangeAspect="1" noChangeArrowheads="1"/>
+          </p:cNvPicPr>
+          <p:nvPr/>
+        </p:nvPicPr>
+        <p:blipFill>
+          <a:blip r:embed="rId2">
+            <a:extLst>
+              <a:ext uri="{28A0092B-C50C-407E-A947-70E740481C1C}">
+                <a14:useLocalDpi xmlns:a14="http://schemas.microsoft.com/office/drawing/2010/main" val="0"/>
+              </a:ext>
+            </a:extLst>
+          </a:blip>
+          <a:srcRect/>
+          <a:stretch>
+            <a:fillRect/>
+          </a:stretch>
+        </p:blipFill>
+        <p:spPr bwMode="auto">
+          <a:xfrm>
+            <a:off x="767591" y="506413"/>
+            <a:ext cx="2924175" cy="3095625"/>
+          </a:xfrm>
+          <a:prstGeom prst="rect">
+            <a:avLst/>
+          </a:prstGeom>
+          <a:noFill/>
+          <a:extLst>
+            <a:ext uri="{909E8E84-426E-40DD-AFC4-6F175D3DCCD1}">
+              <a14:hiddenFill xmlns:a14="http://schemas.microsoft.com/office/drawing/2010/main">
+                <a:solidFill>
+                  <a:srgbClr val="FFFFFF"/>
+                </a:solidFill>
+              </a14:hiddenFill>
+            </a:ext>
+          </a:extLst>
+        </p:spPr>
+      </p:pic>
     </p:spTree>
     <p:extLst>
       <p:ext uri="{BB962C8B-B14F-4D97-AF65-F5344CB8AC3E}">
@@ -3960,54 +4009,71 @@
             </a:r>
             <a:r>
               <a:rPr lang="sv-SE" dirty="0" err="1"/>
-              <a:t>other</a:t>
-            </a:r>
-            <a:r>
-              <a:rPr lang="sv-SE" dirty="0"/>
-              <a:t> </a:t>
-            </a:r>
-            <a:r>
-              <a:rPr lang="sv-SE" dirty="0" err="1"/>
-              <a:t>classifiers</a:t>
-            </a:r>
-            <a:endParaRPr lang="sv-SE" dirty="0"/>
-          </a:p>
-        </p:txBody>
-      </p:sp>
-      <p:pic>
-        <p:nvPicPr>
-          <p:cNvPr id="7" name="Bildobjekt 6">
-            <a:extLst>
-              <a:ext uri="{FF2B5EF4-FFF2-40B4-BE49-F238E27FC236}">
-                <a16:creationId xmlns:a16="http://schemas.microsoft.com/office/drawing/2014/main" id="{D212CED2-0D01-4FA1-B450-021D198347BE}"/>
-              </a:ext>
-            </a:extLst>
-          </p:cNvPr>
-          <p:cNvPicPr>
-            <a:picLocks noChangeAspect="1"/>
-          </p:cNvPicPr>
-          <p:nvPr/>
-        </p:nvPicPr>
-        <p:blipFill>
-          <a:blip r:embed="rId2"/>
-          <a:stretch>
-            <a:fillRect/>
-          </a:stretch>
-        </p:blipFill>
+              <a:t>trying</a:t>
+            </a:r>
+            <a:r>
+              <a:rPr lang="sv-SE" dirty="0"/>
+              <a:t> to </a:t>
+            </a:r>
+            <a:r>
+              <a:rPr lang="sv-SE" dirty="0" err="1"/>
+              <a:t>find</a:t>
+            </a:r>
+            <a:r>
+              <a:rPr lang="sv-SE" dirty="0"/>
+              <a:t> the best parameters</a:t>
+            </a:r>
+          </a:p>
+        </p:txBody>
+      </p:sp>
+      <p:sp>
+        <p:nvSpPr>
+          <p:cNvPr id="5" name="Platshållare för innehåll 2">
+            <a:extLst>
+              <a:ext uri="{FF2B5EF4-FFF2-40B4-BE49-F238E27FC236}">
+                <a16:creationId xmlns:a16="http://schemas.microsoft.com/office/drawing/2014/main" id="{65B9309F-64DD-4AB1-84DE-FD2C4BD318D6}"/>
+              </a:ext>
+            </a:extLst>
+          </p:cNvPr>
+          <p:cNvSpPr>
+            <a:spLocks noGrp="1"/>
+          </p:cNvSpPr>
+          <p:nvPr>
+            <p:ph idx="1"/>
+          </p:nvPr>
+        </p:nvSpPr>
         <p:spPr>
           <a:xfrm>
-            <a:off x="2924502" y="1252329"/>
-            <a:ext cx="6342996" cy="5234195"/>
+            <a:off x="838200" y="1825625"/>
+            <a:ext cx="10515600" cy="4351338"/>
           </a:xfrm>
-          <a:prstGeom prst="rect">
-            <a:avLst/>
-          </a:prstGeom>
         </p:spPr>
-      </p:pic>
+        <p:txBody>
+          <a:bodyPr/>
+          <a:lstStyle/>
+          <a:p>
+            <a:r>
+              <a:rPr lang="en-US" dirty="0"/>
+              <a:t>Problem: Too many variables to tweak</a:t>
+            </a:r>
+          </a:p>
+          <a:p>
+            <a:r>
+              <a:rPr lang="en-US" dirty="0"/>
+              <a:t>Parameters: choice of classifier, different combinations of stocks, </a:t>
+            </a:r>
+            <a:r>
+              <a:rPr lang="en-US" dirty="0" err="1"/>
+              <a:t>period_length</a:t>
+            </a:r>
+            <a:endParaRPr lang="en-US" dirty="0"/>
+          </a:p>
+        </p:txBody>
+      </p:sp>
     </p:spTree>
     <p:extLst>
       <p:ext uri="{BB962C8B-B14F-4D97-AF65-F5344CB8AC3E}">
-        <p14:creationId xmlns:p14="http://schemas.microsoft.com/office/powerpoint/2010/main" val="1678487952"/>
+        <p14:creationId xmlns:p14="http://schemas.microsoft.com/office/powerpoint/2010/main" val="544972907"/>
       </p:ext>
     </p:extLst>
   </p:cSld>
@@ -4039,7 +4105,7 @@
           <p:cNvPr id="2" name="Rubrik 1">
             <a:extLst>
               <a:ext uri="{FF2B5EF4-FFF2-40B4-BE49-F238E27FC236}">
-                <a16:creationId xmlns:a16="http://schemas.microsoft.com/office/drawing/2014/main" id="{09C97F99-A249-4DAC-8499-A796A61E3112}"/>
+                <a16:creationId xmlns:a16="http://schemas.microsoft.com/office/drawing/2014/main" id="{D1EB8AD1-6FA7-4B4B-8C8A-8FA568CB7C24}"/>
               </a:ext>
             </a:extLst>
           </p:cNvPr>
@@ -4050,49 +4116,33 @@
             <p:ph type="title"/>
           </p:nvPr>
         </p:nvSpPr>
-        <p:spPr>
-          <a:xfrm>
-            <a:off x="838200" y="216038"/>
-            <a:ext cx="10515600" cy="1325563"/>
-          </a:xfrm>
-        </p:spPr>
-        <p:txBody>
-          <a:bodyPr/>
-          <a:lstStyle/>
-          <a:p>
-            <a:r>
-              <a:rPr lang="sv-SE" dirty="0" err="1"/>
-              <a:t>Testing</a:t>
-            </a:r>
-            <a:r>
-              <a:rPr lang="sv-SE" dirty="0"/>
-              <a:t> – </a:t>
-            </a:r>
-            <a:r>
-              <a:rPr lang="sv-SE" dirty="0" err="1"/>
-              <a:t>trying</a:t>
-            </a:r>
-            <a:r>
-              <a:rPr lang="sv-SE" dirty="0"/>
-              <a:t> to </a:t>
-            </a:r>
-            <a:r>
-              <a:rPr lang="sv-SE" dirty="0" err="1"/>
-              <a:t>find</a:t>
-            </a:r>
-            <a:r>
-              <a:rPr lang="sv-SE" dirty="0"/>
-              <a:t> the best parameters</a:t>
-            </a:r>
-          </a:p>
-        </p:txBody>
-      </p:sp>
-      <p:sp>
-        <p:nvSpPr>
-          <p:cNvPr id="5" name="Platshållare för innehåll 2">
-            <a:extLst>
-              <a:ext uri="{FF2B5EF4-FFF2-40B4-BE49-F238E27FC236}">
-                <a16:creationId xmlns:a16="http://schemas.microsoft.com/office/drawing/2014/main" id="{65B9309F-64DD-4AB1-84DE-FD2C4BD318D6}"/>
+        <p:spPr/>
+        <p:txBody>
+          <a:bodyPr/>
+          <a:lstStyle/>
+          <a:p>
+            <a:r>
+              <a:rPr lang="sv-SE" dirty="0" err="1"/>
+              <a:t>Result</a:t>
+            </a:r>
+            <a:r>
+              <a:rPr lang="sv-SE" dirty="0"/>
+              <a:t> – MLP is </a:t>
+            </a:r>
+            <a:r>
+              <a:rPr lang="sv-SE" dirty="0" err="1"/>
+              <a:t>superior</a:t>
+            </a:r>
+            <a:endParaRPr lang="sv-SE" dirty="0"/>
+          </a:p>
+        </p:txBody>
+      </p:sp>
+      <p:sp>
+        <p:nvSpPr>
+          <p:cNvPr id="3" name="Platshållare för innehåll 2">
+            <a:extLst>
+              <a:ext uri="{FF2B5EF4-FFF2-40B4-BE49-F238E27FC236}">
+                <a16:creationId xmlns:a16="http://schemas.microsoft.com/office/drawing/2014/main" id="{F0F75182-32B4-4712-9018-6C72A913102B}"/>
               </a:ext>
             </a:extLst>
           </p:cNvPr>
@@ -4103,38 +4153,476 @@
             <p:ph idx="1"/>
           </p:nvPr>
         </p:nvSpPr>
-        <p:spPr>
-          <a:xfrm>
-            <a:off x="838200" y="1825625"/>
-            <a:ext cx="10515600" cy="4351338"/>
-          </a:xfrm>
-        </p:spPr>
-        <p:txBody>
-          <a:bodyPr/>
-          <a:lstStyle/>
-          <a:p>
-            <a:r>
-              <a:rPr lang="en-US" dirty="0"/>
-              <a:t>Problem: Too many variables to tweak</a:t>
-            </a:r>
-          </a:p>
-          <a:p>
-            <a:r>
-              <a:rPr lang="en-US" dirty="0"/>
-              <a:t>Parameters: choice of classifier, different combinations of stocks, </a:t>
-            </a:r>
-            <a:r>
-              <a:rPr lang="en-US" dirty="0" err="1"/>
-              <a:t>period_length</a:t>
-            </a:r>
-            <a:endParaRPr lang="en-US" dirty="0"/>
+        <p:spPr/>
+        <p:txBody>
+          <a:bodyPr/>
+          <a:lstStyle/>
+          <a:p>
+            <a:r>
+              <a:rPr lang="sv-SE" dirty="0" err="1"/>
+              <a:t>We</a:t>
+            </a:r>
+            <a:r>
+              <a:rPr lang="sv-SE" dirty="0"/>
+              <a:t> </a:t>
+            </a:r>
+            <a:r>
+              <a:rPr lang="sv-SE" dirty="0" err="1"/>
+              <a:t>found</a:t>
+            </a:r>
+            <a:r>
+              <a:rPr lang="sv-SE" dirty="0"/>
+              <a:t> </a:t>
+            </a:r>
+            <a:r>
+              <a:rPr lang="sv-SE" dirty="0" err="1"/>
+              <a:t>out</a:t>
+            </a:r>
+            <a:r>
+              <a:rPr lang="sv-SE" dirty="0"/>
+              <a:t> </a:t>
+            </a:r>
+            <a:r>
+              <a:rPr lang="sv-SE" dirty="0" err="1"/>
+              <a:t>that</a:t>
+            </a:r>
+            <a:r>
+              <a:rPr lang="sv-SE" dirty="0"/>
+              <a:t> MLP is </a:t>
+            </a:r>
+            <a:r>
+              <a:rPr lang="sv-SE" dirty="0" err="1"/>
+              <a:t>superior</a:t>
+            </a:r>
+            <a:r>
+              <a:rPr lang="sv-SE" dirty="0"/>
+              <a:t> </a:t>
+            </a:r>
+            <a:r>
+              <a:rPr lang="sv-SE" dirty="0" err="1"/>
+              <a:t>when</a:t>
+            </a:r>
+            <a:r>
+              <a:rPr lang="sv-SE" dirty="0"/>
+              <a:t> </a:t>
+            </a:r>
+            <a:r>
+              <a:rPr lang="sv-SE" dirty="0" err="1"/>
+              <a:t>predicting</a:t>
+            </a:r>
+            <a:endParaRPr lang="sv-SE" dirty="0"/>
+          </a:p>
+          <a:p>
+            <a:r>
+              <a:rPr lang="sv-SE" dirty="0" err="1"/>
+              <a:t>When</a:t>
+            </a:r>
+            <a:r>
+              <a:rPr lang="sv-SE" dirty="0"/>
+              <a:t> </a:t>
+            </a:r>
+            <a:r>
+              <a:rPr lang="sv-SE" dirty="0" err="1"/>
+              <a:t>predicting</a:t>
+            </a:r>
+            <a:r>
+              <a:rPr lang="sv-SE" dirty="0"/>
+              <a:t> </a:t>
+            </a:r>
+            <a:r>
+              <a:rPr lang="sv-SE" dirty="0" err="1"/>
+              <a:t>multiple</a:t>
+            </a:r>
+            <a:r>
+              <a:rPr lang="sv-SE" dirty="0"/>
+              <a:t> stocks </a:t>
+            </a:r>
+            <a:r>
+              <a:rPr lang="sv-SE" dirty="0" err="1"/>
+              <a:t>together</a:t>
+            </a:r>
+            <a:r>
+              <a:rPr lang="sv-SE" dirty="0"/>
+              <a:t>, the </a:t>
+            </a:r>
+            <a:r>
+              <a:rPr lang="sv-SE" dirty="0" err="1"/>
+              <a:t>accuracy</a:t>
+            </a:r>
+            <a:r>
+              <a:rPr lang="sv-SE" dirty="0"/>
+              <a:t> </a:t>
+            </a:r>
+            <a:r>
+              <a:rPr lang="sv-SE" dirty="0" err="1"/>
+              <a:t>fell</a:t>
+            </a:r>
+            <a:endParaRPr lang="sv-SE" dirty="0"/>
           </a:p>
         </p:txBody>
       </p:sp>
     </p:spTree>
     <p:extLst>
       <p:ext uri="{BB962C8B-B14F-4D97-AF65-F5344CB8AC3E}">
-        <p14:creationId xmlns:p14="http://schemas.microsoft.com/office/powerpoint/2010/main" val="544972907"/>
+        <p14:creationId xmlns:p14="http://schemas.microsoft.com/office/powerpoint/2010/main" val="2517235817"/>
+      </p:ext>
+    </p:extLst>
+  </p:cSld>
+  <p:clrMapOvr>
+    <a:masterClrMapping/>
+  </p:clrMapOvr>
+</p:sld>
+</file>
+
+<file path=ppt/slides/slide15.xml><?xml version="1.0" encoding="utf-8"?>
+<p:sld xmlns:a="http://schemas.openxmlformats.org/drawingml/2006/main" xmlns:r="http://schemas.openxmlformats.org/officeDocument/2006/relationships" xmlns:p="http://schemas.openxmlformats.org/presentationml/2006/main">
+  <p:cSld>
+    <p:spTree>
+      <p:nvGrpSpPr>
+        <p:cNvPr id="1" name=""/>
+        <p:cNvGrpSpPr/>
+        <p:nvPr/>
+      </p:nvGrpSpPr>
+      <p:grpSpPr>
+        <a:xfrm>
+          <a:off x="0" y="0"/>
+          <a:ext cx="0" cy="0"/>
+          <a:chOff x="0" y="0"/>
+          <a:chExt cx="0" cy="0"/>
+        </a:xfrm>
+      </p:grpSpPr>
+      <p:sp>
+        <p:nvSpPr>
+          <p:cNvPr id="2" name="Rubrik 1">
+            <a:extLst>
+              <a:ext uri="{FF2B5EF4-FFF2-40B4-BE49-F238E27FC236}">
+                <a16:creationId xmlns:a16="http://schemas.microsoft.com/office/drawing/2014/main" id="{D1EB8AD1-6FA7-4B4B-8C8A-8FA568CB7C24}"/>
+              </a:ext>
+            </a:extLst>
+          </p:cNvPr>
+          <p:cNvSpPr>
+            <a:spLocks noGrp="1"/>
+          </p:cNvSpPr>
+          <p:nvPr>
+            <p:ph type="title"/>
+          </p:nvPr>
+        </p:nvSpPr>
+        <p:spPr/>
+        <p:txBody>
+          <a:bodyPr/>
+          <a:lstStyle/>
+          <a:p>
+            <a:r>
+              <a:rPr lang="sv-SE" dirty="0"/>
+              <a:t>Demo </a:t>
+            </a:r>
+          </a:p>
+        </p:txBody>
+      </p:sp>
+      <p:sp>
+        <p:nvSpPr>
+          <p:cNvPr id="3" name="Platshållare för innehåll 2">
+            <a:extLst>
+              <a:ext uri="{FF2B5EF4-FFF2-40B4-BE49-F238E27FC236}">
+                <a16:creationId xmlns:a16="http://schemas.microsoft.com/office/drawing/2014/main" id="{F0F75182-32B4-4712-9018-6C72A913102B}"/>
+              </a:ext>
+            </a:extLst>
+          </p:cNvPr>
+          <p:cNvSpPr>
+            <a:spLocks noGrp="1"/>
+          </p:cNvSpPr>
+          <p:nvPr>
+            <p:ph idx="1"/>
+          </p:nvPr>
+        </p:nvSpPr>
+        <p:spPr/>
+        <p:txBody>
+          <a:bodyPr/>
+          <a:lstStyle/>
+          <a:p>
+            <a:r>
+              <a:rPr lang="sv-SE" dirty="0"/>
+              <a:t>1) </a:t>
+            </a:r>
+            <a:r>
+              <a:rPr lang="sv-SE" dirty="0" err="1"/>
+              <a:t>Plot</a:t>
+            </a:r>
+            <a:r>
+              <a:rPr lang="sv-SE" dirty="0"/>
+              <a:t> massive test and </a:t>
+            </a:r>
+            <a:r>
+              <a:rPr lang="sv-SE" dirty="0" err="1"/>
+              <a:t>comparsion</a:t>
+            </a:r>
+            <a:r>
+              <a:rPr lang="sv-SE" dirty="0"/>
+              <a:t> [</a:t>
+            </a:r>
+            <a:r>
+              <a:rPr lang="sv-SE" dirty="0" err="1"/>
+              <a:t>Automated</a:t>
+            </a:r>
+            <a:r>
+              <a:rPr lang="sv-SE" dirty="0"/>
+              <a:t>]</a:t>
+            </a:r>
+          </a:p>
+          <a:p>
+            <a:r>
+              <a:rPr lang="sv-SE" dirty="0"/>
+              <a:t>2) </a:t>
+            </a:r>
+            <a:r>
+              <a:rPr lang="sv-SE" dirty="0" err="1"/>
+              <a:t>Predict</a:t>
+            </a:r>
+            <a:r>
+              <a:rPr lang="sv-SE" dirty="0"/>
+              <a:t> </a:t>
+            </a:r>
+            <a:r>
+              <a:rPr lang="sv-SE" dirty="0" err="1"/>
+              <a:t>tomorrow</a:t>
+            </a:r>
+            <a:r>
+              <a:rPr lang="sv-SE" dirty="0"/>
+              <a:t> </a:t>
+            </a:r>
+          </a:p>
+        </p:txBody>
+      </p:sp>
+    </p:spTree>
+    <p:extLst>
+      <p:ext uri="{BB962C8B-B14F-4D97-AF65-F5344CB8AC3E}">
+        <p14:creationId xmlns:p14="http://schemas.microsoft.com/office/powerpoint/2010/main" val="3239434283"/>
+      </p:ext>
+    </p:extLst>
+  </p:cSld>
+  <p:clrMapOvr>
+    <a:masterClrMapping/>
+  </p:clrMapOvr>
+</p:sld>
+</file>
+
+<file path=ppt/slides/slide16.xml><?xml version="1.0" encoding="utf-8"?>
+<p:sld xmlns:a="http://schemas.openxmlformats.org/drawingml/2006/main" xmlns:r="http://schemas.openxmlformats.org/officeDocument/2006/relationships" xmlns:p="http://schemas.openxmlformats.org/presentationml/2006/main">
+  <p:cSld>
+    <p:spTree>
+      <p:nvGrpSpPr>
+        <p:cNvPr id="1" name=""/>
+        <p:cNvGrpSpPr/>
+        <p:nvPr/>
+      </p:nvGrpSpPr>
+      <p:grpSpPr>
+        <a:xfrm>
+          <a:off x="0" y="0"/>
+          <a:ext cx="0" cy="0"/>
+          <a:chOff x="0" y="0"/>
+          <a:chExt cx="0" cy="0"/>
+        </a:xfrm>
+      </p:grpSpPr>
+      <p:sp>
+        <p:nvSpPr>
+          <p:cNvPr id="2" name="Rubrik 1">
+            <a:extLst>
+              <a:ext uri="{FF2B5EF4-FFF2-40B4-BE49-F238E27FC236}">
+                <a16:creationId xmlns:a16="http://schemas.microsoft.com/office/drawing/2014/main" id="{6EA3AB18-3009-4B29-B19C-9CBB2C0DA48B}"/>
+              </a:ext>
+            </a:extLst>
+          </p:cNvPr>
+          <p:cNvSpPr>
+            <a:spLocks noGrp="1"/>
+          </p:cNvSpPr>
+          <p:nvPr>
+            <p:ph type="title"/>
+          </p:nvPr>
+        </p:nvSpPr>
+        <p:spPr/>
+        <p:txBody>
+          <a:bodyPr/>
+          <a:lstStyle/>
+          <a:p>
+            <a:r>
+              <a:rPr lang="sv-SE" dirty="0"/>
+              <a:t>In the </a:t>
+            </a:r>
+            <a:r>
+              <a:rPr lang="sv-SE" dirty="0" err="1"/>
+              <a:t>future</a:t>
+            </a:r>
+            <a:r>
+              <a:rPr lang="sv-SE" dirty="0"/>
+              <a:t> </a:t>
+            </a:r>
+          </a:p>
+        </p:txBody>
+      </p:sp>
+      <p:sp>
+        <p:nvSpPr>
+          <p:cNvPr id="3" name="Platshållare för innehåll 2">
+            <a:extLst>
+              <a:ext uri="{FF2B5EF4-FFF2-40B4-BE49-F238E27FC236}">
+                <a16:creationId xmlns:a16="http://schemas.microsoft.com/office/drawing/2014/main" id="{AC7451BA-F33C-4AF8-B86C-C0C1C20E3797}"/>
+              </a:ext>
+            </a:extLst>
+          </p:cNvPr>
+          <p:cNvSpPr>
+            <a:spLocks noGrp="1"/>
+          </p:cNvSpPr>
+          <p:nvPr>
+            <p:ph idx="1"/>
+          </p:nvPr>
+        </p:nvSpPr>
+        <p:spPr/>
+        <p:txBody>
+          <a:bodyPr/>
+          <a:lstStyle/>
+          <a:p>
+            <a:r>
+              <a:rPr lang="sv-SE" dirty="0"/>
+              <a:t>Make </a:t>
+            </a:r>
+            <a:r>
+              <a:rPr lang="sv-SE" dirty="0" err="1"/>
+              <a:t>more</a:t>
+            </a:r>
+            <a:r>
+              <a:rPr lang="sv-SE" dirty="0"/>
+              <a:t> options </a:t>
+            </a:r>
+            <a:r>
+              <a:rPr lang="sv-SE" dirty="0" err="1"/>
+              <a:t>available</a:t>
+            </a:r>
+            <a:r>
+              <a:rPr lang="sv-SE" dirty="0"/>
+              <a:t> for the </a:t>
+            </a:r>
+            <a:r>
+              <a:rPr lang="sv-SE" dirty="0" err="1"/>
+              <a:t>user</a:t>
+            </a:r>
+            <a:endParaRPr lang="sv-SE" dirty="0"/>
+          </a:p>
+          <a:p>
+            <a:r>
+              <a:rPr lang="sv-SE" dirty="0" err="1"/>
+              <a:t>Perhaps</a:t>
+            </a:r>
+            <a:r>
+              <a:rPr lang="sv-SE" dirty="0"/>
+              <a:t> </a:t>
+            </a:r>
+            <a:r>
+              <a:rPr lang="sv-SE" dirty="0" err="1"/>
+              <a:t>use</a:t>
+            </a:r>
+            <a:r>
+              <a:rPr lang="sv-SE" dirty="0"/>
+              <a:t> </a:t>
+            </a:r>
+            <a:r>
+              <a:rPr lang="sv-SE" dirty="0" err="1"/>
+              <a:t>more</a:t>
+            </a:r>
+            <a:r>
+              <a:rPr lang="sv-SE" dirty="0"/>
+              <a:t> volatile stocks</a:t>
+            </a:r>
+          </a:p>
+          <a:p>
+            <a:r>
+              <a:rPr lang="sv-SE" dirty="0" err="1"/>
+              <a:t>Explore</a:t>
+            </a:r>
+            <a:r>
+              <a:rPr lang="sv-SE" dirty="0"/>
+              <a:t> </a:t>
+            </a:r>
+            <a:r>
+              <a:rPr lang="sv-SE" dirty="0" err="1"/>
+              <a:t>tweaking</a:t>
+            </a:r>
+            <a:r>
+              <a:rPr lang="sv-SE" dirty="0"/>
+              <a:t> </a:t>
+            </a:r>
+            <a:r>
+              <a:rPr lang="sv-SE" dirty="0" err="1"/>
+              <a:t>each</a:t>
+            </a:r>
+            <a:r>
+              <a:rPr lang="sv-SE" dirty="0"/>
+              <a:t> </a:t>
+            </a:r>
+            <a:r>
+              <a:rPr lang="sv-SE" dirty="0" err="1"/>
+              <a:t>classifier</a:t>
+            </a:r>
+            <a:r>
+              <a:rPr lang="sv-SE" dirty="0"/>
+              <a:t> </a:t>
+            </a:r>
+            <a:r>
+              <a:rPr lang="sv-SE" dirty="0" err="1"/>
+              <a:t>more</a:t>
+            </a:r>
+            <a:endParaRPr lang="sv-SE" dirty="0"/>
+          </a:p>
+          <a:p>
+            <a:r>
+              <a:rPr lang="sv-SE" dirty="0" err="1"/>
+              <a:t>Better</a:t>
+            </a:r>
+            <a:r>
+              <a:rPr lang="sv-SE" dirty="0"/>
+              <a:t> </a:t>
+            </a:r>
+            <a:r>
+              <a:rPr lang="sv-SE" dirty="0" err="1"/>
+              <a:t>defined</a:t>
+            </a:r>
+            <a:r>
+              <a:rPr lang="sv-SE" dirty="0"/>
+              <a:t> </a:t>
+            </a:r>
+            <a:r>
+              <a:rPr lang="sv-SE" dirty="0" err="1"/>
+              <a:t>label</a:t>
+            </a:r>
+            <a:endParaRPr lang="sv-SE" dirty="0"/>
+          </a:p>
+          <a:p>
+            <a:r>
+              <a:rPr lang="sv-SE" dirty="0" err="1"/>
+              <a:t>More</a:t>
+            </a:r>
+            <a:r>
+              <a:rPr lang="sv-SE" dirty="0"/>
+              <a:t> </a:t>
+            </a:r>
+            <a:r>
+              <a:rPr lang="sv-SE" dirty="0" err="1"/>
+              <a:t>user</a:t>
+            </a:r>
+            <a:r>
+              <a:rPr lang="sv-SE" dirty="0"/>
+              <a:t> </a:t>
+            </a:r>
+            <a:r>
+              <a:rPr lang="sv-SE" dirty="0" err="1"/>
+              <a:t>friendly</a:t>
+            </a:r>
+            <a:endParaRPr lang="sv-SE" dirty="0"/>
+          </a:p>
+        </p:txBody>
+      </p:sp>
+    </p:spTree>
+    <p:extLst>
+      <p:ext uri="{BB962C8B-B14F-4D97-AF65-F5344CB8AC3E}">
+        <p14:creationId xmlns:p14="http://schemas.microsoft.com/office/powerpoint/2010/main" val="2624525302"/>
       </p:ext>
     </p:extLst>
   </p:cSld>
@@ -4437,7 +4925,7 @@
             </a:r>
             <a:r>
               <a:rPr lang="sv-SE" dirty="0"/>
-              <a:t> data (pandas)</a:t>
+              <a:t> data</a:t>
             </a:r>
           </a:p>
           <a:p>
